--- a/CalendarioAgo21/Laboratorios/Laboratorio3/Lab3.pptx
+++ b/CalendarioAgo21/Laboratorios/Laboratorio3/Lab3.pptx
@@ -760,7 +760,7 @@
               </a14:hiddenFill>
             </a:ext>
             <a:ext uri="{FAA26D3D-D897-4be2-8F04-BA451C77F1D7}">
-              <ma14:placeholderFlag xmlns:ma14="http://schemas.microsoft.com/office/mac/drawingml/2011/main" xmlns:mc="http://schemas.openxmlformats.org/markup-compatibility/2006" xmlns:a14="http://schemas.microsoft.com/office/drawing/2010/main" xmlns:c="http://schemas.openxmlformats.org/drawingml/2006/chart" xmlns:dgm="http://schemas.openxmlformats.org/drawingml/2006/diagram" xmlns:cdr="http://schemas.openxmlformats.org/drawingml/2006/chartDrawing" xmlns:wne="http://schemas.microsoft.com/office/powerpoint/2006/powerpointml" xmlns:wp="http://schemas.openxmlformats.org/drawingml/2006/powerpointprocessingDrawing" xmlns:v="urn:schemas-microsoft-com:vml" xmlns:o="urn:schemas-microsoft-com:office:office" xmlns="" val="1"/>
+              <ma14:placeholderFlag xmlns="" xmlns:o="urn:schemas-microsoft-com:office:office" xmlns:v="urn:schemas-microsoft-com:vml" xmlns:wp="http://schemas.openxmlformats.org/drawingml/2006/powerpointprocessingDrawing" xmlns:wne="http://schemas.microsoft.com/office/powerpoint/2006/powerpointml" xmlns:cdr="http://schemas.openxmlformats.org/drawingml/2006/chartDrawing" xmlns:dgm="http://schemas.openxmlformats.org/drawingml/2006/diagram" xmlns:c="http://schemas.openxmlformats.org/drawingml/2006/chart" xmlns:a14="http://schemas.microsoft.com/office/drawing/2010/main" xmlns:mc="http://schemas.openxmlformats.org/markup-compatibility/2006" xmlns:ma14="http://schemas.microsoft.com/office/mac/drawingml/2011/main" val="1"/>
             </a:ext>
           </a:extLst>
         </p:spPr>
@@ -5644,7 +5644,7 @@
               </a14:hiddenLine>
             </a:ext>
             <a:ext uri="{FAA26D3D-D897-4be2-8F04-BA451C77F1D7}">
-              <ma14:placeholderFlag xmlns:ma14="http://schemas.microsoft.com/office/mac/drawingml/2011/main" xmlns:mc="http://schemas.openxmlformats.org/markup-compatibility/2006" xmlns:a14="http://schemas.microsoft.com/office/drawing/2010/main" xmlns:c="http://schemas.openxmlformats.org/drawingml/2006/chart" xmlns:dgm="http://schemas.openxmlformats.org/drawingml/2006/diagram" xmlns:cdr="http://schemas.openxmlformats.org/drawingml/2006/chartDrawing" xmlns:wne="http://schemas.microsoft.com/office/powerpoint/2006/powerpointml" xmlns:wp="http://schemas.openxmlformats.org/drawingml/2006/powerpointprocessingDrawing" xmlns:v="urn:schemas-microsoft-com:vml" xmlns:o="urn:schemas-microsoft-com:office:office" xmlns="" val="1"/>
+              <ma14:placeholderFlag xmlns="" xmlns:o="urn:schemas-microsoft-com:office:office" xmlns:v="urn:schemas-microsoft-com:vml" xmlns:wp="http://schemas.openxmlformats.org/drawingml/2006/powerpointprocessingDrawing" xmlns:wne="http://schemas.microsoft.com/office/powerpoint/2006/powerpointml" xmlns:cdr="http://schemas.openxmlformats.org/drawingml/2006/chartDrawing" xmlns:dgm="http://schemas.openxmlformats.org/drawingml/2006/diagram" xmlns:c="http://schemas.openxmlformats.org/drawingml/2006/chart" xmlns:a14="http://schemas.microsoft.com/office/drawing/2010/main" xmlns:mc="http://schemas.openxmlformats.org/markup-compatibility/2006" xmlns:ma14="http://schemas.microsoft.com/office/mac/drawingml/2011/main" val="1"/>
             </a:ext>
           </a:extLst>
         </p:spPr>
@@ -5854,7 +5854,7 @@
               </a14:hiddenLine>
             </a:ext>
             <a:ext uri="{FAA26D3D-D897-4be2-8F04-BA451C77F1D7}">
-              <ma14:placeholderFlag xmlns:ma14="http://schemas.microsoft.com/office/mac/drawingml/2011/main" xmlns:mc="http://schemas.openxmlformats.org/markup-compatibility/2006" xmlns:a14="http://schemas.microsoft.com/office/drawing/2010/main" xmlns:c="http://schemas.openxmlformats.org/drawingml/2006/chart" xmlns:dgm="http://schemas.openxmlformats.org/drawingml/2006/diagram" xmlns:cdr="http://schemas.openxmlformats.org/drawingml/2006/chartDrawing" xmlns:wne="http://schemas.microsoft.com/office/powerpoint/2006/powerpointml" xmlns:wp="http://schemas.openxmlformats.org/drawingml/2006/powerpointprocessingDrawing" xmlns:v="urn:schemas-microsoft-com:vml" xmlns:o="urn:schemas-microsoft-com:office:office" xmlns="" val="1"/>
+              <ma14:placeholderFlag xmlns="" xmlns:o="urn:schemas-microsoft-com:office:office" xmlns:v="urn:schemas-microsoft-com:vml" xmlns:wp="http://schemas.openxmlformats.org/drawingml/2006/powerpointprocessingDrawing" xmlns:wne="http://schemas.microsoft.com/office/powerpoint/2006/powerpointml" xmlns:cdr="http://schemas.openxmlformats.org/drawingml/2006/chartDrawing" xmlns:dgm="http://schemas.openxmlformats.org/drawingml/2006/diagram" xmlns:c="http://schemas.openxmlformats.org/drawingml/2006/chart" xmlns:a14="http://schemas.microsoft.com/office/drawing/2010/main" xmlns:mc="http://schemas.openxmlformats.org/markup-compatibility/2006" xmlns:ma14="http://schemas.microsoft.com/office/mac/drawingml/2011/main" val="1"/>
             </a:ext>
           </a:extLst>
         </p:spPr>
@@ -6618,7 +6618,7 @@
               </a14:hiddenLine>
             </a:ext>
             <a:ext uri="{FAA26D3D-D897-4be2-8F04-BA451C77F1D7}">
-              <ma14:placeholderFlag xmlns:ma14="http://schemas.microsoft.com/office/mac/drawingml/2011/main" xmlns:mc="http://schemas.openxmlformats.org/markup-compatibility/2006" xmlns:a14="http://schemas.microsoft.com/office/drawing/2010/main" xmlns:c="http://schemas.openxmlformats.org/drawingml/2006/chart" xmlns:dgm="http://schemas.openxmlformats.org/drawingml/2006/diagram" xmlns:cdr="http://schemas.openxmlformats.org/drawingml/2006/chartDrawing" xmlns:wne="http://schemas.microsoft.com/office/powerpoint/2006/powerpointml" xmlns:wp="http://schemas.openxmlformats.org/drawingml/2006/powerpointprocessingDrawing" xmlns:v="urn:schemas-microsoft-com:vml" xmlns:o="urn:schemas-microsoft-com:office:office" xmlns="" val="1"/>
+              <ma14:placeholderFlag xmlns="" xmlns:o="urn:schemas-microsoft-com:office:office" xmlns:v="urn:schemas-microsoft-com:vml" xmlns:wp="http://schemas.openxmlformats.org/drawingml/2006/powerpointprocessingDrawing" xmlns:wne="http://schemas.microsoft.com/office/powerpoint/2006/powerpointml" xmlns:cdr="http://schemas.openxmlformats.org/drawingml/2006/chartDrawing" xmlns:dgm="http://schemas.openxmlformats.org/drawingml/2006/diagram" xmlns:c="http://schemas.openxmlformats.org/drawingml/2006/chart" xmlns:a14="http://schemas.microsoft.com/office/drawing/2010/main" xmlns:mc="http://schemas.openxmlformats.org/markup-compatibility/2006" xmlns:ma14="http://schemas.microsoft.com/office/mac/drawingml/2011/main" val="1"/>
             </a:ext>
           </a:extLst>
         </p:spPr>
@@ -6813,7 +6813,7 @@
               </a14:hiddenLine>
             </a:ext>
             <a:ext uri="{FAA26D3D-D897-4be2-8F04-BA451C77F1D7}">
-              <ma14:placeholderFlag xmlns:ma14="http://schemas.microsoft.com/office/mac/drawingml/2011/main" xmlns:mc="http://schemas.openxmlformats.org/markup-compatibility/2006" xmlns:a14="http://schemas.microsoft.com/office/drawing/2010/main" xmlns:c="http://schemas.openxmlformats.org/drawingml/2006/chart" xmlns:dgm="http://schemas.openxmlformats.org/drawingml/2006/diagram" xmlns:cdr="http://schemas.openxmlformats.org/drawingml/2006/chartDrawing" xmlns:wne="http://schemas.microsoft.com/office/powerpoint/2006/powerpointml" xmlns:wp="http://schemas.openxmlformats.org/drawingml/2006/powerpointprocessingDrawing" xmlns:v="urn:schemas-microsoft-com:vml" xmlns:o="urn:schemas-microsoft-com:office:office" xmlns="" val="1"/>
+              <ma14:placeholderFlag xmlns="" xmlns:o="urn:schemas-microsoft-com:office:office" xmlns:v="urn:schemas-microsoft-com:vml" xmlns:wp="http://schemas.openxmlformats.org/drawingml/2006/powerpointprocessingDrawing" xmlns:wne="http://schemas.microsoft.com/office/powerpoint/2006/powerpointml" xmlns:cdr="http://schemas.openxmlformats.org/drawingml/2006/chartDrawing" xmlns:dgm="http://schemas.openxmlformats.org/drawingml/2006/diagram" xmlns:c="http://schemas.openxmlformats.org/drawingml/2006/chart" xmlns:a14="http://schemas.microsoft.com/office/drawing/2010/main" xmlns:mc="http://schemas.openxmlformats.org/markup-compatibility/2006" xmlns:ma14="http://schemas.microsoft.com/office/mac/drawingml/2011/main" val="1"/>
             </a:ext>
           </a:extLst>
         </p:spPr>
@@ -7636,32 +7636,41 @@
       </p:sp>
       <p:pic>
         <p:nvPicPr>
-          <p:cNvPr id="5" name="Imagen 4">
+          <p:cNvPr id="4" name="Imagen 3">
             <a:extLst>
               <a:ext uri="{FF2B5EF4-FFF2-40B4-BE49-F238E27FC236}">
-                <a16:creationId xmlns:a16="http://schemas.microsoft.com/office/drawing/2014/main" id="{B6B17968-DAF1-4EE8-A7D5-6495E83ABFD3}"/>
+                <a16:creationId xmlns:a16="http://schemas.microsoft.com/office/drawing/2014/main" id="{D457F34B-9ED8-453E-BD88-6FC4CE28F65B}"/>
               </a:ext>
             </a:extLst>
           </p:cNvPr>
-          <p:cNvPicPr>
-            <a:picLocks noChangeAspect="1"/>
-          </p:cNvPicPr>
+          <p:cNvPicPr/>
           <p:nvPr/>
         </p:nvPicPr>
         <p:blipFill>
-          <a:blip r:embed="rId3"/>
+          <a:blip r:embed="rId3" cstate="email">
+            <a:extLst>
+              <a:ext uri="{28A0092B-C50C-407E-A947-70E740481C1C}">
+                <a14:useLocalDpi xmlns:a14="http://schemas.microsoft.com/office/drawing/2010/main" val="0"/>
+              </a:ext>
+            </a:extLst>
+          </a:blip>
+          <a:srcRect/>
           <a:stretch>
             <a:fillRect/>
           </a:stretch>
         </p:blipFill>
-        <p:spPr>
+        <p:spPr bwMode="auto">
           <a:xfrm>
-            <a:off x="2237621" y="1585667"/>
-            <a:ext cx="4725241" cy="4725241"/>
+            <a:off x="2060739" y="1297851"/>
+            <a:ext cx="5095069" cy="4960335"/>
           </a:xfrm>
           <a:prstGeom prst="rect">
             <a:avLst/>
           </a:prstGeom>
+          <a:noFill/>
+          <a:ln>
+            <a:noFill/>
+          </a:ln>
         </p:spPr>
       </p:pic>
     </p:spTree>
